--- a/Earthquake magnitude in different locations.pptx
+++ b/Earthquake magnitude in different locations.pptx
@@ -111,6 +111,11 @@
       </a:defRPr>
     </a:lvl9pPr>
   </p:defaultTextStyle>
+  <p:extLst>
+    <p:ext uri="{EFAFB233-063F-42B5-8137-9DF3F51BA10A}">
+      <p15:sldGuideLst xmlns:p15="http://schemas.microsoft.com/office/powerpoint/2012/main"/>
+    </p:ext>
+  </p:extLst>
 </p:presentation>
 </file>
 
@@ -263,7 +268,7 @@
           <a:p>
             <a:fld id="{E98BABE2-8133-43E4-8EF8-B27A4614A830}" type="datetimeFigureOut">
               <a:rPr lang="en-GB" smtClean="0"/>
-              <a:t>29/05/2025</a:t>
+              <a:t>30/05/2025</a:t>
             </a:fld>
             <a:endParaRPr lang="en-GB"/>
           </a:p>
@@ -463,7 +468,7 @@
           <a:p>
             <a:fld id="{E98BABE2-8133-43E4-8EF8-B27A4614A830}" type="datetimeFigureOut">
               <a:rPr lang="en-GB" smtClean="0"/>
-              <a:t>29/05/2025</a:t>
+              <a:t>30/05/2025</a:t>
             </a:fld>
             <a:endParaRPr lang="en-GB"/>
           </a:p>
@@ -673,7 +678,7 @@
           <a:p>
             <a:fld id="{E98BABE2-8133-43E4-8EF8-B27A4614A830}" type="datetimeFigureOut">
               <a:rPr lang="en-GB" smtClean="0"/>
-              <a:t>29/05/2025</a:t>
+              <a:t>30/05/2025</a:t>
             </a:fld>
             <a:endParaRPr lang="en-GB"/>
           </a:p>
@@ -873,7 +878,7 @@
           <a:p>
             <a:fld id="{E98BABE2-8133-43E4-8EF8-B27A4614A830}" type="datetimeFigureOut">
               <a:rPr lang="en-GB" smtClean="0"/>
-              <a:t>29/05/2025</a:t>
+              <a:t>30/05/2025</a:t>
             </a:fld>
             <a:endParaRPr lang="en-GB"/>
           </a:p>
@@ -1149,7 +1154,7 @@
           <a:p>
             <a:fld id="{E98BABE2-8133-43E4-8EF8-B27A4614A830}" type="datetimeFigureOut">
               <a:rPr lang="en-GB" smtClean="0"/>
-              <a:t>29/05/2025</a:t>
+              <a:t>30/05/2025</a:t>
             </a:fld>
             <a:endParaRPr lang="en-GB"/>
           </a:p>
@@ -1417,7 +1422,7 @@
           <a:p>
             <a:fld id="{E98BABE2-8133-43E4-8EF8-B27A4614A830}" type="datetimeFigureOut">
               <a:rPr lang="en-GB" smtClean="0"/>
-              <a:t>29/05/2025</a:t>
+              <a:t>30/05/2025</a:t>
             </a:fld>
             <a:endParaRPr lang="en-GB"/>
           </a:p>
@@ -1832,7 +1837,7 @@
           <a:p>
             <a:fld id="{E98BABE2-8133-43E4-8EF8-B27A4614A830}" type="datetimeFigureOut">
               <a:rPr lang="en-GB" smtClean="0"/>
-              <a:t>29/05/2025</a:t>
+              <a:t>30/05/2025</a:t>
             </a:fld>
             <a:endParaRPr lang="en-GB"/>
           </a:p>
@@ -1974,7 +1979,7 @@
           <a:p>
             <a:fld id="{E98BABE2-8133-43E4-8EF8-B27A4614A830}" type="datetimeFigureOut">
               <a:rPr lang="en-GB" smtClean="0"/>
-              <a:t>29/05/2025</a:t>
+              <a:t>30/05/2025</a:t>
             </a:fld>
             <a:endParaRPr lang="en-GB"/>
           </a:p>
@@ -2087,7 +2092,7 @@
           <a:p>
             <a:fld id="{E98BABE2-8133-43E4-8EF8-B27A4614A830}" type="datetimeFigureOut">
               <a:rPr lang="en-GB" smtClean="0"/>
-              <a:t>29/05/2025</a:t>
+              <a:t>30/05/2025</a:t>
             </a:fld>
             <a:endParaRPr lang="en-GB"/>
           </a:p>
@@ -2400,7 +2405,7 @@
           <a:p>
             <a:fld id="{E98BABE2-8133-43E4-8EF8-B27A4614A830}" type="datetimeFigureOut">
               <a:rPr lang="en-GB" smtClean="0"/>
-              <a:t>29/05/2025</a:t>
+              <a:t>30/05/2025</a:t>
             </a:fld>
             <a:endParaRPr lang="en-GB"/>
           </a:p>
@@ -2689,7 +2694,7 @@
           <a:p>
             <a:fld id="{E98BABE2-8133-43E4-8EF8-B27A4614A830}" type="datetimeFigureOut">
               <a:rPr lang="en-GB" smtClean="0"/>
-              <a:t>29/05/2025</a:t>
+              <a:t>30/05/2025</a:t>
             </a:fld>
             <a:endParaRPr lang="en-GB"/>
           </a:p>
@@ -2932,7 +2937,7 @@
           <a:p>
             <a:fld id="{E98BABE2-8133-43E4-8EF8-B27A4614A830}" type="datetimeFigureOut">
               <a:rPr lang="en-GB" smtClean="0"/>
-              <a:t>29/05/2025</a:t>
+              <a:t>30/05/2025</a:t>
             </a:fld>
             <a:endParaRPr lang="en-GB"/>
           </a:p>
@@ -4065,7 +4070,35 @@
                 <a:ea typeface="Microsoft Sans Serif" panose="020B0604020202020204" pitchFamily="34" charset="0"/>
                 <a:cs typeface="Microsoft Sans Serif" panose="020B0604020202020204" pitchFamily="34" charset="0"/>
               </a:rPr>
-              <a:t>, status. We will try to assess based on Place and Mag with Bar Graph, Pie Chart, Box Plot, Line Chart, Scatter Plot.</a:t>
+              <a:t>, status. We will try to assess based on Place and Mag with Bar Graph, Pie Chart, Box Plot, Line Chart, Scatter Plot. This will help find the intensity on certain locations and possibly help on </a:t>
+            </a:r>
+            <a:r>
+              <a:rPr lang="en-GB" sz="2000" b="0" i="0" dirty="0" err="1">
+                <a:solidFill>
+                  <a:schemeClr val="accent3">
+                    <a:lumMod val="50000"/>
+                  </a:schemeClr>
+                </a:solidFill>
+                <a:effectLst/>
+                <a:latin typeface="Microsoft Sans Serif" panose="020B0604020202020204" pitchFamily="34" charset="0"/>
+                <a:ea typeface="Microsoft Sans Serif" panose="020B0604020202020204" pitchFamily="34" charset="0"/>
+                <a:cs typeface="Microsoft Sans Serif" panose="020B0604020202020204" pitchFamily="34" charset="0"/>
+              </a:rPr>
+              <a:t>preventation</a:t>
+            </a:r>
+            <a:r>
+              <a:rPr lang="en-GB" sz="2000" b="0" i="0" dirty="0">
+                <a:solidFill>
+                  <a:schemeClr val="accent3">
+                    <a:lumMod val="50000"/>
+                  </a:schemeClr>
+                </a:solidFill>
+                <a:effectLst/>
+                <a:latin typeface="Microsoft Sans Serif" panose="020B0604020202020204" pitchFamily="34" charset="0"/>
+                <a:ea typeface="Microsoft Sans Serif" panose="020B0604020202020204" pitchFamily="34" charset="0"/>
+                <a:cs typeface="Microsoft Sans Serif" panose="020B0604020202020204" pitchFamily="34" charset="0"/>
+              </a:rPr>
+              <a:t>.</a:t>
             </a:r>
           </a:p>
           <a:p>
